--- a/ytd.pptx
+++ b/ytd.pptx
@@ -131,6 +131,11 @@
       </a:defRPr>
     </a:lvl9pPr>
   </p:defaultTextStyle>
+  <p:extLst>
+    <p:ext uri="{EFAFB233-063F-42B5-8137-9DF3F51BA10A}">
+      <p15:sldGuideLst xmlns:p15="http://schemas.microsoft.com/office/powerpoint/2012/main"/>
+    </p:ext>
+  </p:extLst>
 </p:presentation>
 </file>
 
@@ -265,7 +270,7 @@
           <a:p>
             <a:fld id="{36100FB3-E257-4680-8F19-2E6D9B36F203}" type="datetimeFigureOut">
               <a:rPr lang="ko-KR" altLang="en-US" smtClean="0"/>
-              <a:t>2023-11-04</a:t>
+              <a:t>2023-11-05</a:t>
             </a:fld>
             <a:endParaRPr lang="ko-KR" altLang="en-US"/>
           </a:p>
@@ -435,7 +440,7 @@
           <a:p>
             <a:fld id="{36100FB3-E257-4680-8F19-2E6D9B36F203}" type="datetimeFigureOut">
               <a:rPr lang="ko-KR" altLang="en-US" smtClean="0"/>
-              <a:t>2023-11-04</a:t>
+              <a:t>2023-11-05</a:t>
             </a:fld>
             <a:endParaRPr lang="ko-KR" altLang="en-US"/>
           </a:p>
@@ -615,7 +620,7 @@
           <a:p>
             <a:fld id="{36100FB3-E257-4680-8F19-2E6D9B36F203}" type="datetimeFigureOut">
               <a:rPr lang="ko-KR" altLang="en-US" smtClean="0"/>
-              <a:t>2023-11-04</a:t>
+              <a:t>2023-11-05</a:t>
             </a:fld>
             <a:endParaRPr lang="ko-KR" altLang="en-US"/>
           </a:p>
@@ -785,7 +790,7 @@
           <a:p>
             <a:fld id="{36100FB3-E257-4680-8F19-2E6D9B36F203}" type="datetimeFigureOut">
               <a:rPr lang="ko-KR" altLang="en-US" smtClean="0"/>
-              <a:t>2023-11-04</a:t>
+              <a:t>2023-11-05</a:t>
             </a:fld>
             <a:endParaRPr lang="ko-KR" altLang="en-US"/>
           </a:p>
@@ -1031,7 +1036,7 @@
           <a:p>
             <a:fld id="{36100FB3-E257-4680-8F19-2E6D9B36F203}" type="datetimeFigureOut">
               <a:rPr lang="ko-KR" altLang="en-US" smtClean="0"/>
-              <a:t>2023-11-04</a:t>
+              <a:t>2023-11-05</a:t>
             </a:fld>
             <a:endParaRPr lang="ko-KR" altLang="en-US"/>
           </a:p>
@@ -1263,7 +1268,7 @@
           <a:p>
             <a:fld id="{36100FB3-E257-4680-8F19-2E6D9B36F203}" type="datetimeFigureOut">
               <a:rPr lang="ko-KR" altLang="en-US" smtClean="0"/>
-              <a:t>2023-11-04</a:t>
+              <a:t>2023-11-05</a:t>
             </a:fld>
             <a:endParaRPr lang="ko-KR" altLang="en-US"/>
           </a:p>
@@ -1630,7 +1635,7 @@
           <a:p>
             <a:fld id="{36100FB3-E257-4680-8F19-2E6D9B36F203}" type="datetimeFigureOut">
               <a:rPr lang="ko-KR" altLang="en-US" smtClean="0"/>
-              <a:t>2023-11-04</a:t>
+              <a:t>2023-11-05</a:t>
             </a:fld>
             <a:endParaRPr lang="ko-KR" altLang="en-US"/>
           </a:p>
@@ -1748,7 +1753,7 @@
           <a:p>
             <a:fld id="{36100FB3-E257-4680-8F19-2E6D9B36F203}" type="datetimeFigureOut">
               <a:rPr lang="ko-KR" altLang="en-US" smtClean="0"/>
-              <a:t>2023-11-04</a:t>
+              <a:t>2023-11-05</a:t>
             </a:fld>
             <a:endParaRPr lang="ko-KR" altLang="en-US"/>
           </a:p>
@@ -1843,7 +1848,7 @@
           <a:p>
             <a:fld id="{36100FB3-E257-4680-8F19-2E6D9B36F203}" type="datetimeFigureOut">
               <a:rPr lang="ko-KR" altLang="en-US" smtClean="0"/>
-              <a:t>2023-11-04</a:t>
+              <a:t>2023-11-05</a:t>
             </a:fld>
             <a:endParaRPr lang="ko-KR" altLang="en-US"/>
           </a:p>
@@ -2120,7 +2125,7 @@
           <a:p>
             <a:fld id="{36100FB3-E257-4680-8F19-2E6D9B36F203}" type="datetimeFigureOut">
               <a:rPr lang="ko-KR" altLang="en-US" smtClean="0"/>
-              <a:t>2023-11-04</a:t>
+              <a:t>2023-11-05</a:t>
             </a:fld>
             <a:endParaRPr lang="ko-KR" altLang="en-US"/>
           </a:p>
@@ -2373,7 +2378,7 @@
           <a:p>
             <a:fld id="{36100FB3-E257-4680-8F19-2E6D9B36F203}" type="datetimeFigureOut">
               <a:rPr lang="ko-KR" altLang="en-US" smtClean="0"/>
-              <a:t>2023-11-04</a:t>
+              <a:t>2023-11-05</a:t>
             </a:fld>
             <a:endParaRPr lang="ko-KR" altLang="en-US"/>
           </a:p>
@@ -2586,7 +2591,7 @@
           <a:p>
             <a:fld id="{36100FB3-E257-4680-8F19-2E6D9B36F203}" type="datetimeFigureOut">
               <a:rPr lang="ko-KR" altLang="en-US" smtClean="0"/>
-              <a:t>2023-11-04</a:t>
+              <a:t>2023-11-05</a:t>
             </a:fld>
             <a:endParaRPr lang="ko-KR" altLang="en-US"/>
           </a:p>
@@ -4480,14 +4485,7 @@
                 <a:latin typeface="굴림" panose="020B0600000101010101" pitchFamily="50" charset="-127"/>
                 <a:ea typeface="굴림" panose="020B0600000101010101" pitchFamily="50" charset="-127"/>
               </a:rPr>
-              <a:t>. </a:t>
-            </a:r>
-            <a:r>
-              <a:rPr lang="en-US" altLang="ko-KR" dirty="0" smtClean="0">
-                <a:latin typeface="굴림" panose="020B0600000101010101" pitchFamily="50" charset="-127"/>
-                <a:ea typeface="굴림" panose="020B0600000101010101" pitchFamily="50" charset="-127"/>
-              </a:rPr>
-              <a:t>ffmpeg </a:t>
+              <a:t>. ffmpeg </a:t>
             </a:r>
             <a:r>
               <a:rPr lang="ko-KR" altLang="en-US" dirty="0" smtClean="0">
